--- a/oral_projet/revue_3/diaporama_revue_3_samuel.pptx
+++ b/oral_projet/revue_3/diaporama_revue_3_samuel.pptx
@@ -124,6 +124,10 @@
 </p:presentation>
 </file>
 
+<file path=ppt/revisionInfo.xml><?xml version="1.0" encoding="utf-8"?>
+<p1510:revInfo xmlns:a="http://schemas.openxmlformats.org/drawingml/2006/main" xmlns:r="http://schemas.openxmlformats.org/officeDocument/2006/relationships" xmlns:p1510="http://schemas.microsoft.com/office/powerpoint/2015/10/main"/>
+</file>
+
 <file path=ppt/notesMasters/notesMaster1.xml><?xml version="1.0" encoding="utf-8"?>
 <p:notesMaster xmlns:a="http://schemas.openxmlformats.org/drawingml/2006/main" xmlns:r="http://schemas.openxmlformats.org/officeDocument/2006/relationships" xmlns:p="http://schemas.openxmlformats.org/presentationml/2006/main">
   <p:cSld>
@@ -9129,42 +9133,6 @@
           </a:p>
         </p:txBody>
       </p:sp>
-      <p:pic>
-        <p:nvPicPr>
-          <p:cNvPr id="4" name="Image 3" descr="Une image contenant capture d’écran&#10;&#10;Description générée avec un niveau de confiance très élevé">
-            <a:extLst>
-              <a:ext uri="{FF2B5EF4-FFF2-40B4-BE49-F238E27FC236}">
-                <a16:creationId xmlns:a16="http://schemas.microsoft.com/office/drawing/2014/main" id="{4FEEEB1C-7AC1-4ACA-971B-3F849EB93F38}"/>
-              </a:ext>
-            </a:extLst>
-          </p:cNvPr>
-          <p:cNvPicPr>
-            <a:picLocks noChangeAspect="1"/>
-          </p:cNvPicPr>
-          <p:nvPr/>
-        </p:nvPicPr>
-        <p:blipFill>
-          <a:blip r:embed="rId4">
-            <a:extLst>
-              <a:ext uri="{28A0092B-C50C-407E-A947-70E740481C1C}">
-                <a14:useLocalDpi xmlns:a14="http://schemas.microsoft.com/office/drawing/2010/main" val="0"/>
-              </a:ext>
-            </a:extLst>
-          </a:blip>
-          <a:stretch>
-            <a:fillRect/>
-          </a:stretch>
-        </p:blipFill>
-        <p:spPr>
-          <a:xfrm>
-            <a:off x="2027740" y="2028456"/>
-            <a:ext cx="3766225" cy="4374741"/>
-          </a:xfrm>
-          <a:prstGeom prst="rect">
-            <a:avLst/>
-          </a:prstGeom>
-        </p:spPr>
-      </p:pic>
       <p:sp>
         <p:nvSpPr>
           <p:cNvPr id="21" name="ZoneTexte 20">

--- a/oral_projet/revue_3/diaporama_revue_3_samuel.pptx
+++ b/oral_projet/revue_3/diaporama_revue_3_samuel.pptx
@@ -5000,42 +5000,6 @@
           </a:p>
         </p:txBody>
       </p:sp>
-      <p:pic>
-        <p:nvPicPr>
-          <p:cNvPr id="4" name="Image 3">
-            <a:extLst>
-              <a:ext uri="{FF2B5EF4-FFF2-40B4-BE49-F238E27FC236}">
-                <a16:creationId xmlns:a16="http://schemas.microsoft.com/office/drawing/2014/main" id="{8B29CFB6-2644-4529-935B-F02BB338FB4A}"/>
-              </a:ext>
-            </a:extLst>
-          </p:cNvPr>
-          <p:cNvPicPr>
-            <a:picLocks noChangeAspect="1"/>
-          </p:cNvPicPr>
-          <p:nvPr/>
-        </p:nvPicPr>
-        <p:blipFill>
-          <a:blip r:embed="rId4">
-            <a:extLst>
-              <a:ext uri="{28A0092B-C50C-407E-A947-70E740481C1C}">
-                <a14:useLocalDpi xmlns:a14="http://schemas.microsoft.com/office/drawing/2010/main" val="0"/>
-              </a:ext>
-            </a:extLst>
-          </a:blip>
-          <a:stretch>
-            <a:fillRect/>
-          </a:stretch>
-        </p:blipFill>
-        <p:spPr>
-          <a:xfrm>
-            <a:off x="1809152" y="2787566"/>
-            <a:ext cx="9561317" cy="1828964"/>
-          </a:xfrm>
-          <a:prstGeom prst="rect">
-            <a:avLst/>
-          </a:prstGeom>
-        </p:spPr>
-      </p:pic>
     </p:spTree>
     <p:extLst>
       <p:ext uri="{BB962C8B-B14F-4D97-AF65-F5344CB8AC3E}">
@@ -9168,6 +9132,36 @@
           </a:p>
         </p:txBody>
       </p:sp>
+      <p:pic>
+        <p:nvPicPr>
+          <p:cNvPr id="3" name="Image 2">
+            <a:extLst>
+              <a:ext uri="{FF2B5EF4-FFF2-40B4-BE49-F238E27FC236}">
+                <a16:creationId xmlns:a16="http://schemas.microsoft.com/office/drawing/2014/main" id="{7AF18460-9FF1-49EF-B389-2132F830EB88}"/>
+              </a:ext>
+            </a:extLst>
+          </p:cNvPr>
+          <p:cNvPicPr>
+            <a:picLocks noChangeAspect="1"/>
+          </p:cNvPicPr>
+          <p:nvPr/>
+        </p:nvPicPr>
+        <p:blipFill>
+          <a:blip r:embed="rId4"/>
+          <a:stretch>
+            <a:fillRect/>
+          </a:stretch>
+        </p:blipFill>
+        <p:spPr>
+          <a:xfrm>
+            <a:off x="2019712" y="1857006"/>
+            <a:ext cx="4076288" cy="4717640"/>
+          </a:xfrm>
+          <a:prstGeom prst="rect">
+            <a:avLst/>
+          </a:prstGeom>
+        </p:spPr>
+      </p:pic>
     </p:spTree>
     <p:extLst>
       <p:ext uri="{BB962C8B-B14F-4D97-AF65-F5344CB8AC3E}">
@@ -10340,10 +10334,10 @@
       </p:grpSpPr>
       <p:pic>
         <p:nvPicPr>
-          <p:cNvPr id="8" name="Image 7">
-            <a:extLst>
-              <a:ext uri="{FF2B5EF4-FFF2-40B4-BE49-F238E27FC236}">
-                <a16:creationId xmlns:a16="http://schemas.microsoft.com/office/drawing/2014/main" id="{2BB825C5-31DA-4A56-85EA-536DBF510A31}"/>
+          <p:cNvPr id="3" name="Image 2">
+            <a:extLst>
+              <a:ext uri="{FF2B5EF4-FFF2-40B4-BE49-F238E27FC236}">
+                <a16:creationId xmlns:a16="http://schemas.microsoft.com/office/drawing/2014/main" id="{6CDAAF02-6CCB-47B0-887F-8EC26B5076D3}"/>
               </a:ext>
             </a:extLst>
           </p:cNvPr>
@@ -10353,7 +10347,37 @@
           <p:nvPr/>
         </p:nvPicPr>
         <p:blipFill>
-          <a:blip r:embed="rId2">
+          <a:blip r:embed="rId2"/>
+          <a:stretch>
+            <a:fillRect/>
+          </a:stretch>
+        </p:blipFill>
+        <p:spPr>
+          <a:xfrm>
+            <a:off x="1804258" y="2388374"/>
+            <a:ext cx="8583484" cy="4361729"/>
+          </a:xfrm>
+          <a:prstGeom prst="rect">
+            <a:avLst/>
+          </a:prstGeom>
+        </p:spPr>
+      </p:pic>
+      <p:pic>
+        <p:nvPicPr>
+          <p:cNvPr id="8" name="Image 7">
+            <a:extLst>
+              <a:ext uri="{FF2B5EF4-FFF2-40B4-BE49-F238E27FC236}">
+                <a16:creationId xmlns:a16="http://schemas.microsoft.com/office/drawing/2014/main" id="{2BB825C5-31DA-4A56-85EA-536DBF510A31}"/>
+              </a:ext>
+            </a:extLst>
+          </p:cNvPr>
+          <p:cNvPicPr>
+            <a:picLocks noChangeAspect="1"/>
+          </p:cNvPicPr>
+          <p:nvPr/>
+        </p:nvPicPr>
+        <p:blipFill>
+          <a:blip r:embed="rId3">
             <a:extLst>
               <a:ext uri="{28A0092B-C50C-407E-A947-70E740481C1C}">
                 <a14:useLocalDpi xmlns:a14="http://schemas.microsoft.com/office/drawing/2010/main" val="0"/>
@@ -10389,7 +10413,7 @@
           <p:nvPr/>
         </p:nvPicPr>
         <p:blipFill>
-          <a:blip r:embed="rId3">
+          <a:blip r:embed="rId4">
             <a:extLst>
               <a:ext uri="{28A0092B-C50C-407E-A947-70E740481C1C}">
                 <a14:useLocalDpi xmlns:a14="http://schemas.microsoft.com/office/drawing/2010/main" val="0"/>
@@ -10790,42 +10814,6 @@
           </a:p>
         </p:txBody>
       </p:sp>
-      <p:pic>
-        <p:nvPicPr>
-          <p:cNvPr id="4" name="Image 3">
-            <a:extLst>
-              <a:ext uri="{FF2B5EF4-FFF2-40B4-BE49-F238E27FC236}">
-                <a16:creationId xmlns:a16="http://schemas.microsoft.com/office/drawing/2014/main" id="{5E5F945A-5792-46F7-9274-40BF7DB277B1}"/>
-              </a:ext>
-            </a:extLst>
-          </p:cNvPr>
-          <p:cNvPicPr>
-            <a:picLocks noChangeAspect="1"/>
-          </p:cNvPicPr>
-          <p:nvPr/>
-        </p:nvPicPr>
-        <p:blipFill>
-          <a:blip r:embed="rId4">
-            <a:extLst>
-              <a:ext uri="{28A0092B-C50C-407E-A947-70E740481C1C}">
-                <a14:useLocalDpi xmlns:a14="http://schemas.microsoft.com/office/drawing/2010/main" val="0"/>
-              </a:ext>
-            </a:extLst>
-          </a:blip>
-          <a:stretch>
-            <a:fillRect/>
-          </a:stretch>
-        </p:blipFill>
-        <p:spPr>
-          <a:xfrm>
-            <a:off x="2669750" y="2582303"/>
-            <a:ext cx="6636425" cy="3732989"/>
-          </a:xfrm>
-          <a:prstGeom prst="rect">
-            <a:avLst/>
-          </a:prstGeom>
-        </p:spPr>
-      </p:pic>
     </p:spTree>
     <p:extLst>
       <p:ext uri="{BB962C8B-B14F-4D97-AF65-F5344CB8AC3E}">

--- a/oral_projet/revue_3/diaporama_revue_3_samuel.pptx
+++ b/oral_projet/revue_3/diaporama_revue_3_samuel.pptx
@@ -5000,6 +5000,42 @@
           </a:p>
         </p:txBody>
       </p:sp>
+      <p:pic>
+        <p:nvPicPr>
+          <p:cNvPr id="4" name="Image 3">
+            <a:extLst>
+              <a:ext uri="{FF2B5EF4-FFF2-40B4-BE49-F238E27FC236}">
+                <a16:creationId xmlns:a16="http://schemas.microsoft.com/office/drawing/2014/main" id="{071B9FAF-8ECD-41CC-B965-DD9EDFE0D2CF}"/>
+              </a:ext>
+            </a:extLst>
+          </p:cNvPr>
+          <p:cNvPicPr>
+            <a:picLocks noChangeAspect="1"/>
+          </p:cNvPicPr>
+          <p:nvPr/>
+        </p:nvPicPr>
+        <p:blipFill>
+          <a:blip r:embed="rId4">
+            <a:extLst>
+              <a:ext uri="{28A0092B-C50C-407E-A947-70E740481C1C}">
+                <a14:useLocalDpi xmlns:a14="http://schemas.microsoft.com/office/drawing/2010/main" val="0"/>
+              </a:ext>
+            </a:extLst>
+          </a:blip>
+          <a:stretch>
+            <a:fillRect/>
+          </a:stretch>
+        </p:blipFill>
+        <p:spPr>
+          <a:xfrm>
+            <a:off x="2250789" y="2979455"/>
+            <a:ext cx="7690422" cy="899089"/>
+          </a:xfrm>
+          <a:prstGeom prst="rect">
+            <a:avLst/>
+          </a:prstGeom>
+        </p:spPr>
+      </p:pic>
     </p:spTree>
     <p:extLst>
       <p:ext uri="{BB962C8B-B14F-4D97-AF65-F5344CB8AC3E}">

--- a/oral_projet/revue_3/diaporama_revue_3_samuel.pptx
+++ b/oral_projet/revue_3/diaporama_revue_3_samuel.pptx
@@ -5,7 +5,7 @@
     <p:sldMasterId id="2147483648" r:id="rId1"/>
   </p:sldMasterIdLst>
   <p:notesMasterIdLst>
-    <p:notesMasterId r:id="rId12"/>
+    <p:notesMasterId r:id="rId13"/>
   </p:notesMasterIdLst>
   <p:sldIdLst>
     <p:sldId id="256" r:id="rId2"/>
@@ -14,10 +14,11 @@
     <p:sldId id="258" r:id="rId5"/>
     <p:sldId id="262" r:id="rId6"/>
     <p:sldId id="263" r:id="rId7"/>
-    <p:sldId id="264" r:id="rId8"/>
-    <p:sldId id="267" r:id="rId9"/>
-    <p:sldId id="265" r:id="rId10"/>
-    <p:sldId id="266" r:id="rId11"/>
+    <p:sldId id="268" r:id="rId8"/>
+    <p:sldId id="264" r:id="rId9"/>
+    <p:sldId id="267" r:id="rId10"/>
+    <p:sldId id="265" r:id="rId11"/>
+    <p:sldId id="266" r:id="rId12"/>
   </p:sldIdLst>
   <p:sldSz cx="12192000" cy="6858000"/>
   <p:notesSz cx="6858000" cy="9144000"/>
@@ -210,7 +211,7 @@
           <a:p>
             <a:fld id="{7BEC4371-174F-4615-858D-8B61BA547698}" type="datetimeFigureOut">
               <a:rPr lang="fr-FR" smtClean="0"/>
-              <a:t>22/05/2018</a:t>
+              <a:t>23/05/2018</a:t>
             </a:fld>
             <a:endParaRPr lang="fr-FR"/>
           </a:p>
@@ -624,7 +625,7 @@
           <a:p>
             <a:fld id="{125942D7-A464-4365-815E-3C7EAFC3F152}" type="datetimeFigureOut">
               <a:rPr lang="fr-FR" smtClean="0"/>
-              <a:t>22/05/2018</a:t>
+              <a:t>23/05/2018</a:t>
             </a:fld>
             <a:endParaRPr lang="fr-FR"/>
           </a:p>
@@ -834,7 +835,7 @@
           <a:p>
             <a:fld id="{125942D7-A464-4365-815E-3C7EAFC3F152}" type="datetimeFigureOut">
               <a:rPr lang="fr-FR" smtClean="0"/>
-              <a:t>22/05/2018</a:t>
+              <a:t>23/05/2018</a:t>
             </a:fld>
             <a:endParaRPr lang="fr-FR"/>
           </a:p>
@@ -1054,7 +1055,7 @@
           <a:p>
             <a:fld id="{125942D7-A464-4365-815E-3C7EAFC3F152}" type="datetimeFigureOut">
               <a:rPr lang="fr-FR" smtClean="0"/>
-              <a:t>22/05/2018</a:t>
+              <a:t>23/05/2018</a:t>
             </a:fld>
             <a:endParaRPr lang="fr-FR"/>
           </a:p>
@@ -1264,7 +1265,7 @@
           <a:p>
             <a:fld id="{125942D7-A464-4365-815E-3C7EAFC3F152}" type="datetimeFigureOut">
               <a:rPr lang="fr-FR" smtClean="0"/>
-              <a:t>22/05/2018</a:t>
+              <a:t>23/05/2018</a:t>
             </a:fld>
             <a:endParaRPr lang="fr-FR"/>
           </a:p>
@@ -1551,7 +1552,7 @@
           <a:p>
             <a:fld id="{125942D7-A464-4365-815E-3C7EAFC3F152}" type="datetimeFigureOut">
               <a:rPr lang="fr-FR" smtClean="0"/>
-              <a:t>22/05/2018</a:t>
+              <a:t>23/05/2018</a:t>
             </a:fld>
             <a:endParaRPr lang="fr-FR"/>
           </a:p>
@@ -1828,7 +1829,7 @@
           <a:p>
             <a:fld id="{125942D7-A464-4365-815E-3C7EAFC3F152}" type="datetimeFigureOut">
               <a:rPr lang="fr-FR" smtClean="0"/>
-              <a:t>22/05/2018</a:t>
+              <a:t>23/05/2018</a:t>
             </a:fld>
             <a:endParaRPr lang="fr-FR"/>
           </a:p>
@@ -2252,7 +2253,7 @@
           <a:p>
             <a:fld id="{125942D7-A464-4365-815E-3C7EAFC3F152}" type="datetimeFigureOut">
               <a:rPr lang="fr-FR" smtClean="0"/>
-              <a:t>22/05/2018</a:t>
+              <a:t>23/05/2018</a:t>
             </a:fld>
             <a:endParaRPr lang="fr-FR"/>
           </a:p>
@@ -2405,7 +2406,7 @@
           <a:p>
             <a:fld id="{125942D7-A464-4365-815E-3C7EAFC3F152}" type="datetimeFigureOut">
               <a:rPr lang="fr-FR" smtClean="0"/>
-              <a:t>22/05/2018</a:t>
+              <a:t>23/05/2018</a:t>
             </a:fld>
             <a:endParaRPr lang="fr-FR"/>
           </a:p>
@@ -2530,7 +2531,7 @@
           <a:p>
             <a:fld id="{125942D7-A464-4365-815E-3C7EAFC3F152}" type="datetimeFigureOut">
               <a:rPr lang="fr-FR" smtClean="0"/>
-              <a:t>22/05/2018</a:t>
+              <a:t>23/05/2018</a:t>
             </a:fld>
             <a:endParaRPr lang="fr-FR"/>
           </a:p>
@@ -2853,7 +2854,7 @@
           <a:p>
             <a:fld id="{125942D7-A464-4365-815E-3C7EAFC3F152}" type="datetimeFigureOut">
               <a:rPr lang="fr-FR" smtClean="0"/>
-              <a:t>22/05/2018</a:t>
+              <a:t>23/05/2018</a:t>
             </a:fld>
             <a:endParaRPr lang="fr-FR"/>
           </a:p>
@@ -3153,7 +3154,7 @@
           <a:p>
             <a:fld id="{125942D7-A464-4365-815E-3C7EAFC3F152}" type="datetimeFigureOut">
               <a:rPr lang="fr-FR" smtClean="0"/>
-              <a:t>22/05/2018</a:t>
+              <a:t>23/05/2018</a:t>
             </a:fld>
             <a:endParaRPr lang="fr-FR"/>
           </a:p>
@@ -3406,7 +3407,7 @@
           <a:p>
             <a:fld id="{125942D7-A464-4365-815E-3C7EAFC3F152}" type="datetimeFigureOut">
               <a:rPr lang="fr-FR" smtClean="0"/>
-              <a:t>22/05/2018</a:t>
+              <a:t>23/05/2018</a:t>
             </a:fld>
             <a:endParaRPr lang="fr-FR"/>
           </a:p>
@@ -4550,6 +4551,530 @@
       </p:grpSpPr>
       <p:pic>
         <p:nvPicPr>
+          <p:cNvPr id="3" name="Image 2">
+            <a:extLst>
+              <a:ext uri="{FF2B5EF4-FFF2-40B4-BE49-F238E27FC236}">
+                <a16:creationId xmlns:a16="http://schemas.microsoft.com/office/drawing/2014/main" id="{6CDAAF02-6CCB-47B0-887F-8EC26B5076D3}"/>
+              </a:ext>
+            </a:extLst>
+          </p:cNvPr>
+          <p:cNvPicPr>
+            <a:picLocks noChangeAspect="1"/>
+          </p:cNvPicPr>
+          <p:nvPr/>
+        </p:nvPicPr>
+        <p:blipFill>
+          <a:blip r:embed="rId2"/>
+          <a:stretch>
+            <a:fillRect/>
+          </a:stretch>
+        </p:blipFill>
+        <p:spPr>
+          <a:xfrm>
+            <a:off x="1804258" y="2388374"/>
+            <a:ext cx="8583484" cy="4361729"/>
+          </a:xfrm>
+          <a:prstGeom prst="rect">
+            <a:avLst/>
+          </a:prstGeom>
+        </p:spPr>
+      </p:pic>
+      <p:pic>
+        <p:nvPicPr>
+          <p:cNvPr id="8" name="Image 7">
+            <a:extLst>
+              <a:ext uri="{FF2B5EF4-FFF2-40B4-BE49-F238E27FC236}">
+                <a16:creationId xmlns:a16="http://schemas.microsoft.com/office/drawing/2014/main" id="{2BB825C5-31DA-4A56-85EA-536DBF510A31}"/>
+              </a:ext>
+            </a:extLst>
+          </p:cNvPr>
+          <p:cNvPicPr>
+            <a:picLocks noChangeAspect="1"/>
+          </p:cNvPicPr>
+          <p:nvPr/>
+        </p:nvPicPr>
+        <p:blipFill>
+          <a:blip r:embed="rId3">
+            <a:extLst>
+              <a:ext uri="{28A0092B-C50C-407E-A947-70E740481C1C}">
+                <a14:useLocalDpi xmlns:a14="http://schemas.microsoft.com/office/drawing/2010/main" val="0"/>
+              </a:ext>
+            </a:extLst>
+          </a:blip>
+          <a:stretch>
+            <a:fillRect/>
+          </a:stretch>
+        </p:blipFill>
+        <p:spPr>
+          <a:xfrm>
+            <a:off x="1068751" y="66457"/>
+            <a:ext cx="1259497" cy="776690"/>
+          </a:xfrm>
+          <a:prstGeom prst="rect">
+            <a:avLst/>
+          </a:prstGeom>
+        </p:spPr>
+      </p:pic>
+      <p:pic>
+        <p:nvPicPr>
+          <p:cNvPr id="10" name="Image 9">
+            <a:extLst>
+              <a:ext uri="{FF2B5EF4-FFF2-40B4-BE49-F238E27FC236}">
+                <a16:creationId xmlns:a16="http://schemas.microsoft.com/office/drawing/2014/main" id="{8EE7436F-49F2-41E0-93E4-D247B4705294}"/>
+              </a:ext>
+            </a:extLst>
+          </p:cNvPr>
+          <p:cNvPicPr>
+            <a:picLocks noChangeAspect="1"/>
+          </p:cNvPicPr>
+          <p:nvPr/>
+        </p:nvPicPr>
+        <p:blipFill>
+          <a:blip r:embed="rId4">
+            <a:extLst>
+              <a:ext uri="{28A0092B-C50C-407E-A947-70E740481C1C}">
+                <a14:useLocalDpi xmlns:a14="http://schemas.microsoft.com/office/drawing/2010/main" val="0"/>
+              </a:ext>
+            </a:extLst>
+          </a:blip>
+          <a:stretch>
+            <a:fillRect/>
+          </a:stretch>
+        </p:blipFill>
+        <p:spPr>
+          <a:xfrm>
+            <a:off x="9681085" y="238153"/>
+            <a:ext cx="1802101" cy="569807"/>
+          </a:xfrm>
+          <a:prstGeom prst="rect">
+            <a:avLst/>
+          </a:prstGeom>
+        </p:spPr>
+      </p:pic>
+      <p:cxnSp>
+        <p:nvCxnSpPr>
+          <p:cNvPr id="16" name="Connecteur droit 15">
+            <a:extLst>
+              <a:ext uri="{FF2B5EF4-FFF2-40B4-BE49-F238E27FC236}">
+                <a16:creationId xmlns:a16="http://schemas.microsoft.com/office/drawing/2014/main" id="{7319284A-BD6F-4A96-8E2B-E0A4B52E53C6}"/>
+              </a:ext>
+            </a:extLst>
+          </p:cNvPr>
+          <p:cNvCxnSpPr>
+            <a:cxnSpLocks/>
+          </p:cNvCxnSpPr>
+          <p:nvPr/>
+        </p:nvCxnSpPr>
+        <p:spPr>
+          <a:xfrm flipV="1">
+            <a:off x="0" y="454803"/>
+            <a:ext cx="738231" cy="1798"/>
+          </a:xfrm>
+          <a:prstGeom prst="line">
+            <a:avLst/>
+          </a:prstGeom>
+        </p:spPr>
+        <p:style>
+          <a:lnRef idx="3">
+            <a:schemeClr val="dk1"/>
+          </a:lnRef>
+          <a:fillRef idx="0">
+            <a:schemeClr val="dk1"/>
+          </a:fillRef>
+          <a:effectRef idx="2">
+            <a:schemeClr val="dk1"/>
+          </a:effectRef>
+          <a:fontRef idx="minor">
+            <a:schemeClr val="tx1"/>
+          </a:fontRef>
+        </p:style>
+      </p:cxnSp>
+      <p:cxnSp>
+        <p:nvCxnSpPr>
+          <p:cNvPr id="20" name="Connecteur droit 19">
+            <a:extLst>
+              <a:ext uri="{FF2B5EF4-FFF2-40B4-BE49-F238E27FC236}">
+                <a16:creationId xmlns:a16="http://schemas.microsoft.com/office/drawing/2014/main" id="{08874CF7-F149-4C81-B61E-74E18342BA8A}"/>
+              </a:ext>
+            </a:extLst>
+          </p:cNvPr>
+          <p:cNvCxnSpPr>
+            <a:cxnSpLocks/>
+          </p:cNvCxnSpPr>
+          <p:nvPr/>
+        </p:nvCxnSpPr>
+        <p:spPr>
+          <a:xfrm>
+            <a:off x="2573222" y="454803"/>
+            <a:ext cx="6829482" cy="10398"/>
+          </a:xfrm>
+          <a:prstGeom prst="line">
+            <a:avLst/>
+          </a:prstGeom>
+        </p:spPr>
+        <p:style>
+          <a:lnRef idx="3">
+            <a:schemeClr val="dk1"/>
+          </a:lnRef>
+          <a:fillRef idx="0">
+            <a:schemeClr val="dk1"/>
+          </a:fillRef>
+          <a:effectRef idx="2">
+            <a:schemeClr val="dk1"/>
+          </a:effectRef>
+          <a:fontRef idx="minor">
+            <a:schemeClr val="tx1"/>
+          </a:fontRef>
+        </p:style>
+      </p:cxnSp>
+      <p:cxnSp>
+        <p:nvCxnSpPr>
+          <p:cNvPr id="26" name="Connecteur droit 25">
+            <a:extLst>
+              <a:ext uri="{FF2B5EF4-FFF2-40B4-BE49-F238E27FC236}">
+                <a16:creationId xmlns:a16="http://schemas.microsoft.com/office/drawing/2014/main" id="{BB3B35CC-057B-48C1-880F-3306A6559175}"/>
+              </a:ext>
+            </a:extLst>
+          </p:cNvPr>
+          <p:cNvCxnSpPr>
+            <a:cxnSpLocks/>
+          </p:cNvCxnSpPr>
+          <p:nvPr/>
+        </p:nvCxnSpPr>
+        <p:spPr>
+          <a:xfrm>
+            <a:off x="738231" y="454803"/>
+            <a:ext cx="344203" cy="484764"/>
+          </a:xfrm>
+          <a:prstGeom prst="line">
+            <a:avLst/>
+          </a:prstGeom>
+        </p:spPr>
+        <p:style>
+          <a:lnRef idx="3">
+            <a:schemeClr val="dk1"/>
+          </a:lnRef>
+          <a:fillRef idx="0">
+            <a:schemeClr val="dk1"/>
+          </a:fillRef>
+          <a:effectRef idx="2">
+            <a:schemeClr val="dk1"/>
+          </a:effectRef>
+          <a:fontRef idx="minor">
+            <a:schemeClr val="tx1"/>
+          </a:fontRef>
+        </p:style>
+      </p:cxnSp>
+      <p:cxnSp>
+        <p:nvCxnSpPr>
+          <p:cNvPr id="32" name="Connecteur droit 31">
+            <a:extLst>
+              <a:ext uri="{FF2B5EF4-FFF2-40B4-BE49-F238E27FC236}">
+                <a16:creationId xmlns:a16="http://schemas.microsoft.com/office/drawing/2014/main" id="{4AD96496-1EB6-4E48-9BB2-5C255495C686}"/>
+              </a:ext>
+            </a:extLst>
+          </p:cNvPr>
+          <p:cNvCxnSpPr>
+            <a:cxnSpLocks/>
+          </p:cNvCxnSpPr>
+          <p:nvPr/>
+        </p:nvCxnSpPr>
+        <p:spPr>
+          <a:xfrm>
+            <a:off x="1082434" y="938268"/>
+            <a:ext cx="1146585" cy="0"/>
+          </a:xfrm>
+          <a:prstGeom prst="line">
+            <a:avLst/>
+          </a:prstGeom>
+        </p:spPr>
+        <p:style>
+          <a:lnRef idx="3">
+            <a:schemeClr val="dk1"/>
+          </a:lnRef>
+          <a:fillRef idx="0">
+            <a:schemeClr val="dk1"/>
+          </a:fillRef>
+          <a:effectRef idx="2">
+            <a:schemeClr val="dk1"/>
+          </a:effectRef>
+          <a:fontRef idx="minor">
+            <a:schemeClr val="tx1"/>
+          </a:fontRef>
+        </p:style>
+      </p:cxnSp>
+      <p:cxnSp>
+        <p:nvCxnSpPr>
+          <p:cNvPr id="51" name="Connecteur droit 50">
+            <a:extLst>
+              <a:ext uri="{FF2B5EF4-FFF2-40B4-BE49-F238E27FC236}">
+                <a16:creationId xmlns:a16="http://schemas.microsoft.com/office/drawing/2014/main" id="{C035BFA6-ECBF-4775-BA81-19D2CA41AA8D}"/>
+              </a:ext>
+            </a:extLst>
+          </p:cNvPr>
+          <p:cNvCxnSpPr>
+            <a:cxnSpLocks/>
+          </p:cNvCxnSpPr>
+          <p:nvPr/>
+        </p:nvCxnSpPr>
+        <p:spPr>
+          <a:xfrm>
+            <a:off x="9402704" y="465201"/>
+            <a:ext cx="344203" cy="495163"/>
+          </a:xfrm>
+          <a:prstGeom prst="line">
+            <a:avLst/>
+          </a:prstGeom>
+        </p:spPr>
+        <p:style>
+          <a:lnRef idx="3">
+            <a:schemeClr val="dk1"/>
+          </a:lnRef>
+          <a:fillRef idx="0">
+            <a:schemeClr val="dk1"/>
+          </a:fillRef>
+          <a:effectRef idx="2">
+            <a:schemeClr val="dk1"/>
+          </a:effectRef>
+          <a:fontRef idx="minor">
+            <a:schemeClr val="tx1"/>
+          </a:fontRef>
+        </p:style>
+      </p:cxnSp>
+      <p:cxnSp>
+        <p:nvCxnSpPr>
+          <p:cNvPr id="52" name="Connecteur droit 51">
+            <a:extLst>
+              <a:ext uri="{FF2B5EF4-FFF2-40B4-BE49-F238E27FC236}">
+                <a16:creationId xmlns:a16="http://schemas.microsoft.com/office/drawing/2014/main" id="{FA310BC7-694B-4984-99A2-61A1F4F6EBF9}"/>
+              </a:ext>
+            </a:extLst>
+          </p:cNvPr>
+          <p:cNvCxnSpPr>
+            <a:cxnSpLocks/>
+          </p:cNvCxnSpPr>
+          <p:nvPr/>
+        </p:nvCxnSpPr>
+        <p:spPr>
+          <a:xfrm flipH="1">
+            <a:off x="11370469" y="448308"/>
+            <a:ext cx="364332" cy="501657"/>
+          </a:xfrm>
+          <a:prstGeom prst="line">
+            <a:avLst/>
+          </a:prstGeom>
+        </p:spPr>
+        <p:style>
+          <a:lnRef idx="3">
+            <a:schemeClr val="dk1"/>
+          </a:lnRef>
+          <a:fillRef idx="0">
+            <a:schemeClr val="dk1"/>
+          </a:fillRef>
+          <a:effectRef idx="2">
+            <a:schemeClr val="dk1"/>
+          </a:effectRef>
+          <a:fontRef idx="minor">
+            <a:schemeClr val="tx1"/>
+          </a:fontRef>
+        </p:style>
+      </p:cxnSp>
+      <p:cxnSp>
+        <p:nvCxnSpPr>
+          <p:cNvPr id="53" name="Connecteur droit 52">
+            <a:extLst>
+              <a:ext uri="{FF2B5EF4-FFF2-40B4-BE49-F238E27FC236}">
+                <a16:creationId xmlns:a16="http://schemas.microsoft.com/office/drawing/2014/main" id="{BE0649BD-EE59-4DDA-960F-95B2572F9F13}"/>
+              </a:ext>
+            </a:extLst>
+          </p:cNvPr>
+          <p:cNvCxnSpPr>
+            <a:cxnSpLocks/>
+          </p:cNvCxnSpPr>
+          <p:nvPr/>
+        </p:nvCxnSpPr>
+        <p:spPr>
+          <a:xfrm>
+            <a:off x="9743203" y="949965"/>
+            <a:ext cx="1627266" cy="0"/>
+          </a:xfrm>
+          <a:prstGeom prst="line">
+            <a:avLst/>
+          </a:prstGeom>
+        </p:spPr>
+        <p:style>
+          <a:lnRef idx="3">
+            <a:schemeClr val="dk1"/>
+          </a:lnRef>
+          <a:fillRef idx="0">
+            <a:schemeClr val="dk1"/>
+          </a:fillRef>
+          <a:effectRef idx="2">
+            <a:schemeClr val="dk1"/>
+          </a:effectRef>
+          <a:fontRef idx="minor">
+            <a:schemeClr val="tx1"/>
+          </a:fontRef>
+        </p:style>
+      </p:cxnSp>
+      <p:cxnSp>
+        <p:nvCxnSpPr>
+          <p:cNvPr id="55" name="Connecteur droit 54">
+            <a:extLst>
+              <a:ext uri="{FF2B5EF4-FFF2-40B4-BE49-F238E27FC236}">
+                <a16:creationId xmlns:a16="http://schemas.microsoft.com/office/drawing/2014/main" id="{52AA9200-DAFA-4EEF-AC13-4C7CE82A59EC}"/>
+              </a:ext>
+            </a:extLst>
+          </p:cNvPr>
+          <p:cNvCxnSpPr>
+            <a:cxnSpLocks/>
+          </p:cNvCxnSpPr>
+          <p:nvPr/>
+        </p:nvCxnSpPr>
+        <p:spPr>
+          <a:xfrm>
+            <a:off x="11715750" y="454801"/>
+            <a:ext cx="476249" cy="10400"/>
+          </a:xfrm>
+          <a:prstGeom prst="line">
+            <a:avLst/>
+          </a:prstGeom>
+        </p:spPr>
+        <p:style>
+          <a:lnRef idx="3">
+            <a:schemeClr val="dk1"/>
+          </a:lnRef>
+          <a:fillRef idx="0">
+            <a:schemeClr val="dk1"/>
+          </a:fillRef>
+          <a:effectRef idx="2">
+            <a:schemeClr val="dk1"/>
+          </a:effectRef>
+          <a:fontRef idx="minor">
+            <a:schemeClr val="tx1"/>
+          </a:fontRef>
+        </p:style>
+      </p:cxnSp>
+      <p:cxnSp>
+        <p:nvCxnSpPr>
+          <p:cNvPr id="23" name="Connecteur droit 22">
+            <a:extLst>
+              <a:ext uri="{FF2B5EF4-FFF2-40B4-BE49-F238E27FC236}">
+                <a16:creationId xmlns:a16="http://schemas.microsoft.com/office/drawing/2014/main" id="{BCB092C8-0080-4E56-957E-0046D4C83988}"/>
+              </a:ext>
+            </a:extLst>
+          </p:cNvPr>
+          <p:cNvCxnSpPr>
+            <a:cxnSpLocks/>
+          </p:cNvCxnSpPr>
+          <p:nvPr/>
+        </p:nvCxnSpPr>
+        <p:spPr>
+          <a:xfrm flipH="1">
+            <a:off x="2216372" y="446356"/>
+            <a:ext cx="364332" cy="501657"/>
+          </a:xfrm>
+          <a:prstGeom prst="line">
+            <a:avLst/>
+          </a:prstGeom>
+        </p:spPr>
+        <p:style>
+          <a:lnRef idx="3">
+            <a:schemeClr val="dk1"/>
+          </a:lnRef>
+          <a:fillRef idx="0">
+            <a:schemeClr val="dk1"/>
+          </a:fillRef>
+          <a:effectRef idx="2">
+            <a:schemeClr val="dk1"/>
+          </a:effectRef>
+          <a:fontRef idx="minor">
+            <a:schemeClr val="tx1"/>
+          </a:fontRef>
+        </p:style>
+      </p:cxnSp>
+      <p:sp>
+        <p:nvSpPr>
+          <p:cNvPr id="2" name="ZoneTexte 1">
+            <a:extLst>
+              <a:ext uri="{FF2B5EF4-FFF2-40B4-BE49-F238E27FC236}">
+                <a16:creationId xmlns:a16="http://schemas.microsoft.com/office/drawing/2014/main" id="{674DD8AD-F715-49A9-B7B1-4A7DF94CD2F7}"/>
+              </a:ext>
+            </a:extLst>
+          </p:cNvPr>
+          <p:cNvSpPr txBox="1"/>
+          <p:nvPr/>
+        </p:nvSpPr>
+        <p:spPr>
+          <a:xfrm>
+            <a:off x="3175406" y="962653"/>
+            <a:ext cx="5632597" cy="1446550"/>
+          </a:xfrm>
+          <a:prstGeom prst="rect">
+            <a:avLst/>
+          </a:prstGeom>
+          <a:noFill/>
+        </p:spPr>
+        <p:txBody>
+          <a:bodyPr wrap="square" rtlCol="0">
+            <a:spAutoFit/>
+          </a:bodyPr>
+          <a:lstStyle/>
+          <a:p>
+            <a:pPr algn="ctr"/>
+            <a:r>
+              <a:rPr lang="fr-FR" sz="4400" dirty="0">
+                <a:latin typeface="Berlin Sans FB" panose="020E0602020502020306" pitchFamily="34" charset="0"/>
+              </a:rPr>
+              <a:t>Chaîne de développement</a:t>
+            </a:r>
+          </a:p>
+        </p:txBody>
+      </p:sp>
+    </p:spTree>
+    <p:extLst>
+      <p:ext uri="{BB962C8B-B14F-4D97-AF65-F5344CB8AC3E}">
+        <p14:creationId xmlns:p14="http://schemas.microsoft.com/office/powerpoint/2010/main" val="414690252"/>
+      </p:ext>
+    </p:extLst>
+  </p:cSld>
+  <p:clrMapOvr>
+    <a:masterClrMapping/>
+  </p:clrMapOvr>
+  <mc:AlternateContent xmlns:mc="http://schemas.openxmlformats.org/markup-compatibility/2006" xmlns:p14="http://schemas.microsoft.com/office/powerpoint/2010/main">
+    <mc:Choice Requires="p14">
+      <p:transition spd="slow">
+        <p14:reveal/>
+      </p:transition>
+    </mc:Choice>
+    <mc:Fallback xmlns="">
+      <p:transition spd="slow">
+        <p:fade/>
+      </p:transition>
+    </mc:Fallback>
+  </mc:AlternateContent>
+</p:sld>
+</file>
+
+<file path=ppt/slides/slide11.xml><?xml version="1.0" encoding="utf-8"?>
+<p:sld xmlns:a="http://schemas.openxmlformats.org/drawingml/2006/main" xmlns:r="http://schemas.openxmlformats.org/officeDocument/2006/relationships" xmlns:p="http://schemas.openxmlformats.org/presentationml/2006/main">
+  <p:cSld>
+    <p:spTree>
+      <p:nvGrpSpPr>
+        <p:cNvPr id="1" name=""/>
+        <p:cNvGrpSpPr/>
+        <p:nvPr/>
+      </p:nvGrpSpPr>
+      <p:grpSpPr>
+        <a:xfrm>
+          <a:off x="0" y="0"/>
+          <a:ext cx="0" cy="0"/>
+          <a:chOff x="0" y="0"/>
+          <a:chExt cx="0" cy="0"/>
+        </a:xfrm>
+      </p:grpSpPr>
+      <p:pic>
+        <p:nvPicPr>
           <p:cNvPr id="8" name="Image 7">
             <a:extLst>
               <a:ext uri="{FF2B5EF4-FFF2-40B4-BE49-F238E27FC236}">
@@ -5885,7 +6410,7 @@
         <p:spPr>
           <a:xfrm>
             <a:off x="1698499" y="2465546"/>
-            <a:ext cx="4475748" cy="2677656"/>
+            <a:ext cx="4475748" cy="3046988"/>
           </a:xfrm>
           <a:prstGeom prst="rect">
             <a:avLst/>
@@ -5919,6 +6444,12 @@
             <a:r>
               <a:rPr lang="fr-FR" sz="2400" dirty="0"/>
               <a:t>• Cahier de recette</a:t>
+            </a:r>
+          </a:p>
+          <a:p>
+            <a:r>
+              <a:rPr lang="fr-FR" sz="2400" dirty="0"/>
+              <a:t>• Base de données</a:t>
             </a:r>
           </a:p>
           <a:p>
@@ -9668,7 +10199,7 @@
         </p:nvSpPr>
         <p:spPr>
           <a:xfrm>
-            <a:off x="3175406" y="962653"/>
+            <a:off x="3175405" y="843147"/>
             <a:ext cx="5632597" cy="769441"/>
           </a:xfrm>
           <a:prstGeom prst="rect">
@@ -9687,61 +10218,24 @@
               <a:rPr lang="fr-FR" sz="4400" dirty="0">
                 <a:latin typeface="Berlin Sans FB" panose="020E0602020502020306" pitchFamily="34" charset="0"/>
               </a:rPr>
-              <a:t>Plan de câblage</a:t>
-            </a:r>
-          </a:p>
-        </p:txBody>
-      </p:sp>
-      <p:sp>
-        <p:nvSpPr>
-          <p:cNvPr id="22" name="ZoneTexte 21">
-            <a:extLst>
-              <a:ext uri="{FF2B5EF4-FFF2-40B4-BE49-F238E27FC236}">
-                <a16:creationId xmlns:a16="http://schemas.microsoft.com/office/drawing/2014/main" id="{0C578D0C-5BBC-4C8E-AD9C-246D1F924D5F}"/>
-              </a:ext>
-            </a:extLst>
-          </p:cNvPr>
-          <p:cNvSpPr txBox="1"/>
-          <p:nvPr/>
-        </p:nvSpPr>
-        <p:spPr>
-          <a:xfrm>
-            <a:off x="4829023" y="5759842"/>
-            <a:ext cx="2317879" cy="369332"/>
-          </a:xfrm>
-          <a:prstGeom prst="rect">
-            <a:avLst/>
-          </a:prstGeom>
-          <a:noFill/>
-        </p:spPr>
-        <p:txBody>
-          <a:bodyPr wrap="none" rtlCol="0">
-            <a:spAutoFit/>
-          </a:bodyPr>
-          <a:lstStyle/>
-          <a:p>
-            <a:r>
-              <a:rPr lang="fr-FR" dirty="0"/>
-              <a:t>Arduino à la Raspberry</a:t>
+              <a:t>Base de données</a:t>
             </a:r>
           </a:p>
         </p:txBody>
       </p:sp>
       <p:pic>
         <p:nvPicPr>
-          <p:cNvPr id="4" name="Image 3" descr="Une image contenant équipement électronique, circuit&#10;&#10;Description générée avec un niveau de confiance très élevé">
-            <a:extLst>
-              <a:ext uri="{FF2B5EF4-FFF2-40B4-BE49-F238E27FC236}">
-                <a16:creationId xmlns:a16="http://schemas.microsoft.com/office/drawing/2014/main" id="{D4284139-EC01-45FA-BD33-C83751EEB60C}"/>
-              </a:ext>
-            </a:extLst>
-          </p:cNvPr>
-          <p:cNvPicPr>
-            <a:picLocks noChangeAspect="1"/>
-          </p:cNvPicPr>
+          <p:cNvPr id="17" name="Image 16">
+            <a:extLst>
+              <a:ext uri="{FF2B5EF4-FFF2-40B4-BE49-F238E27FC236}">
+                <a16:creationId xmlns:a16="http://schemas.microsoft.com/office/drawing/2014/main" id="{DBBE5D0E-6BD9-4AF7-84E0-04C6C38AA767}"/>
+              </a:ext>
+            </a:extLst>
+          </p:cNvPr>
+          <p:cNvPicPr/>
           <p:nvPr/>
         </p:nvPicPr>
-        <p:blipFill>
+        <p:blipFill rotWithShape="1">
           <a:blip r:embed="rId4">
             <a:extLst>
               <a:ext uri="{28A0092B-C50C-407E-A947-70E740481C1C}">
@@ -9749,24 +10243,72 @@
               </a:ext>
             </a:extLst>
           </a:blip>
-          <a:stretch>
-            <a:fillRect/>
-          </a:stretch>
+          <a:srcRect l="6567" t="3872" r="7140" b="4947"/>
+          <a:stretch/>
         </p:blipFill>
-        <p:spPr>
-          <a:xfrm>
-            <a:off x="3511441" y="1883004"/>
-            <a:ext cx="5169117" cy="3876838"/>
+        <p:spPr bwMode="auto">
+          <a:xfrm>
+            <a:off x="2328248" y="1777995"/>
+            <a:ext cx="7541895" cy="4130040"/>
           </a:xfrm>
           <a:prstGeom prst="rect">
             <a:avLst/>
           </a:prstGeom>
+          <a:noFill/>
+          <a:ln>
+            <a:noFill/>
+          </a:ln>
+          <a:extLst>
+            <a:ext uri="{53640926-AAD7-44D8-BBD7-CCE9431645EC}">
+              <a14:shadowObscured xmlns:a14="http://schemas.microsoft.com/office/drawing/2010/main"/>
+            </a:ext>
+          </a:extLst>
         </p:spPr>
       </p:pic>
+      <p:sp>
+        <p:nvSpPr>
+          <p:cNvPr id="4" name="ZoneTexte 3">
+            <a:extLst>
+              <a:ext uri="{FF2B5EF4-FFF2-40B4-BE49-F238E27FC236}">
+                <a16:creationId xmlns:a16="http://schemas.microsoft.com/office/drawing/2014/main" id="{4BEDF119-C903-4FEC-8B75-818E8B1D5638}"/>
+              </a:ext>
+            </a:extLst>
+          </p:cNvPr>
+          <p:cNvSpPr txBox="1"/>
+          <p:nvPr/>
+        </p:nvSpPr>
+        <p:spPr>
+          <a:xfrm>
+            <a:off x="4573478" y="5908035"/>
+            <a:ext cx="3045041" cy="307777"/>
+          </a:xfrm>
+          <a:prstGeom prst="rect">
+            <a:avLst/>
+          </a:prstGeom>
+          <a:noFill/>
+        </p:spPr>
+        <p:txBody>
+          <a:bodyPr wrap="square" rtlCol="0">
+            <a:spAutoFit/>
+          </a:bodyPr>
+          <a:lstStyle/>
+          <a:p>
+            <a:pPr algn="ctr"/>
+            <a:r>
+              <a:rPr lang="fr-FR" sz="1400" i="1" dirty="0" err="1"/>
+              <a:t>Jmerise</a:t>
+            </a:r>
+            <a:r>
+              <a:rPr lang="fr-FR" sz="1400" i="1" dirty="0"/>
+              <a:t> de la base de données</a:t>
+            </a:r>
+          </a:p>
+        </p:txBody>
+      </p:sp>
     </p:spTree>
     <p:extLst>
       <p:ext uri="{BB962C8B-B14F-4D97-AF65-F5344CB8AC3E}">
-        <p14:creationId xmlns:p14="http://schemas.microsoft.com/office/powerpoint/2010/main" val="1709253108"/>
+        <p14:creationId xmlns:p14="http://schemas.microsoft.com/office/powerpoint/2010/main" val="1605572532"/>
       </p:ext>
     </p:extLst>
   </p:cSld>
@@ -10219,12 +10761,85 @@
           </a:fontRef>
         </p:style>
       </p:cxnSp>
+      <p:sp>
+        <p:nvSpPr>
+          <p:cNvPr id="2" name="ZoneTexte 1">
+            <a:extLst>
+              <a:ext uri="{FF2B5EF4-FFF2-40B4-BE49-F238E27FC236}">
+                <a16:creationId xmlns:a16="http://schemas.microsoft.com/office/drawing/2014/main" id="{674DD8AD-F715-49A9-B7B1-4A7DF94CD2F7}"/>
+              </a:ext>
+            </a:extLst>
+          </p:cNvPr>
+          <p:cNvSpPr txBox="1"/>
+          <p:nvPr/>
+        </p:nvSpPr>
+        <p:spPr>
+          <a:xfrm>
+            <a:off x="3175406" y="962653"/>
+            <a:ext cx="5632597" cy="769441"/>
+          </a:xfrm>
+          <a:prstGeom prst="rect">
+            <a:avLst/>
+          </a:prstGeom>
+          <a:noFill/>
+        </p:spPr>
+        <p:txBody>
+          <a:bodyPr wrap="square" rtlCol="0">
+            <a:spAutoFit/>
+          </a:bodyPr>
+          <a:lstStyle/>
+          <a:p>
+            <a:pPr algn="ctr"/>
+            <a:r>
+              <a:rPr lang="fr-FR" sz="4400" dirty="0">
+                <a:latin typeface="Berlin Sans FB" panose="020E0602020502020306" pitchFamily="34" charset="0"/>
+              </a:rPr>
+              <a:t>Plan de câblage</a:t>
+            </a:r>
+          </a:p>
+        </p:txBody>
+      </p:sp>
+      <p:sp>
+        <p:nvSpPr>
+          <p:cNvPr id="22" name="ZoneTexte 21">
+            <a:extLst>
+              <a:ext uri="{FF2B5EF4-FFF2-40B4-BE49-F238E27FC236}">
+                <a16:creationId xmlns:a16="http://schemas.microsoft.com/office/drawing/2014/main" id="{0C578D0C-5BBC-4C8E-AD9C-246D1F924D5F}"/>
+              </a:ext>
+            </a:extLst>
+          </p:cNvPr>
+          <p:cNvSpPr txBox="1"/>
+          <p:nvPr/>
+        </p:nvSpPr>
+        <p:spPr>
+          <a:xfrm>
+            <a:off x="4829023" y="5759842"/>
+            <a:ext cx="2317879" cy="369332"/>
+          </a:xfrm>
+          <a:prstGeom prst="rect">
+            <a:avLst/>
+          </a:prstGeom>
+          <a:noFill/>
+        </p:spPr>
+        <p:txBody>
+          <a:bodyPr wrap="none" rtlCol="0">
+            <a:spAutoFit/>
+          </a:bodyPr>
+          <a:lstStyle/>
+          <a:p>
+            <a:r>
+              <a:rPr lang="fr-FR" dirty="0"/>
+              <a:t>Arduino à la Raspberry</a:t>
+            </a:r>
+          </a:p>
+        </p:txBody>
+      </p:sp>
       <p:pic>
         <p:nvPicPr>
-          <p:cNvPr id="4" name="Image 3" descr="Une image contenant capture d’écran&#10;&#10;Description générée avec un niveau de confiance très élevé">
-            <a:extLst>
-              <a:ext uri="{FF2B5EF4-FFF2-40B4-BE49-F238E27FC236}">
-                <a16:creationId xmlns:a16="http://schemas.microsoft.com/office/drawing/2014/main" id="{769F96F7-0C9A-4C12-8DD2-B1BE1D83ECF0}"/>
+          <p:cNvPr id="4" name="Image 3" descr="Une image contenant équipement électronique, circuit&#10;&#10;Description générée avec un niveau de confiance très élevé">
+            <a:extLst>
+              <a:ext uri="{FF2B5EF4-FFF2-40B4-BE49-F238E27FC236}">
+                <a16:creationId xmlns:a16="http://schemas.microsoft.com/office/drawing/2014/main" id="{D4284139-EC01-45FA-BD33-C83751EEB60C}"/>
               </a:ext>
             </a:extLst>
           </p:cNvPr>
@@ -10247,89 +10862,18 @@
         </p:blipFill>
         <p:spPr>
           <a:xfrm>
-            <a:off x="196023" y="3335673"/>
-            <a:ext cx="5791940" cy="1695202"/>
+            <a:off x="3511441" y="1883004"/>
+            <a:ext cx="5169117" cy="3876838"/>
           </a:xfrm>
           <a:prstGeom prst="rect">
             <a:avLst/>
           </a:prstGeom>
         </p:spPr>
       </p:pic>
-      <p:pic>
-        <p:nvPicPr>
-          <p:cNvPr id="9" name="Image 8">
-            <a:extLst>
-              <a:ext uri="{FF2B5EF4-FFF2-40B4-BE49-F238E27FC236}">
-                <a16:creationId xmlns:a16="http://schemas.microsoft.com/office/drawing/2014/main" id="{B01860E6-AD2D-4E94-AD8B-C2861A3B35DB}"/>
-              </a:ext>
-            </a:extLst>
-          </p:cNvPr>
-          <p:cNvPicPr>
-            <a:picLocks noChangeAspect="1"/>
-          </p:cNvPicPr>
-          <p:nvPr/>
-        </p:nvPicPr>
-        <p:blipFill>
-          <a:blip r:embed="rId5">
-            <a:extLst>
-              <a:ext uri="{28A0092B-C50C-407E-A947-70E740481C1C}">
-                <a14:useLocalDpi xmlns:a14="http://schemas.microsoft.com/office/drawing/2010/main" val="0"/>
-              </a:ext>
-            </a:extLst>
-          </a:blip>
-          <a:stretch>
-            <a:fillRect/>
-          </a:stretch>
-        </p:blipFill>
-        <p:spPr>
-          <a:xfrm>
-            <a:off x="5987963" y="1973749"/>
-            <a:ext cx="5892067" cy="4419050"/>
-          </a:xfrm>
-          <a:prstGeom prst="rect">
-            <a:avLst/>
-          </a:prstGeom>
-        </p:spPr>
-      </p:pic>
-      <p:sp>
-        <p:nvSpPr>
-          <p:cNvPr id="25" name="ZoneTexte 24">
-            <a:extLst>
-              <a:ext uri="{FF2B5EF4-FFF2-40B4-BE49-F238E27FC236}">
-                <a16:creationId xmlns:a16="http://schemas.microsoft.com/office/drawing/2014/main" id="{5945C559-2AC8-4826-8DCF-28E5BB387030}"/>
-              </a:ext>
-            </a:extLst>
-          </p:cNvPr>
-          <p:cNvSpPr txBox="1"/>
-          <p:nvPr/>
-        </p:nvSpPr>
-        <p:spPr>
-          <a:xfrm>
-            <a:off x="3670084" y="2027401"/>
-            <a:ext cx="1611339" cy="369332"/>
-          </a:xfrm>
-          <a:prstGeom prst="rect">
-            <a:avLst/>
-          </a:prstGeom>
-          <a:noFill/>
-        </p:spPr>
-        <p:txBody>
-          <a:bodyPr wrap="none" rtlCol="0">
-            <a:spAutoFit/>
-          </a:bodyPr>
-          <a:lstStyle/>
-          <a:p>
-            <a:r>
-              <a:rPr lang="fr-FR" dirty="0"/>
-              <a:t>Boucle 4-20mA</a:t>
-            </a:r>
-          </a:p>
-        </p:txBody>
-      </p:sp>
     </p:spTree>
     <p:extLst>
       <p:ext uri="{BB962C8B-B14F-4D97-AF65-F5344CB8AC3E}">
-        <p14:creationId xmlns:p14="http://schemas.microsoft.com/office/powerpoint/2010/main" val="1494275456"/>
+        <p14:creationId xmlns:p14="http://schemas.microsoft.com/office/powerpoint/2010/main" val="1709253108"/>
       </p:ext>
     </p:extLst>
   </p:cSld>
@@ -10370,10 +10914,10 @@
       </p:grpSpPr>
       <p:pic>
         <p:nvPicPr>
-          <p:cNvPr id="3" name="Image 2">
-            <a:extLst>
-              <a:ext uri="{FF2B5EF4-FFF2-40B4-BE49-F238E27FC236}">
-                <a16:creationId xmlns:a16="http://schemas.microsoft.com/office/drawing/2014/main" id="{6CDAAF02-6CCB-47B0-887F-8EC26B5076D3}"/>
+          <p:cNvPr id="8" name="Image 7">
+            <a:extLst>
+              <a:ext uri="{FF2B5EF4-FFF2-40B4-BE49-F238E27FC236}">
+                <a16:creationId xmlns:a16="http://schemas.microsoft.com/office/drawing/2014/main" id="{2BB825C5-31DA-4A56-85EA-536DBF510A31}"/>
               </a:ext>
             </a:extLst>
           </p:cNvPr>
@@ -10383,37 +10927,7 @@
           <p:nvPr/>
         </p:nvPicPr>
         <p:blipFill>
-          <a:blip r:embed="rId2"/>
-          <a:stretch>
-            <a:fillRect/>
-          </a:stretch>
-        </p:blipFill>
-        <p:spPr>
-          <a:xfrm>
-            <a:off x="1804258" y="2388374"/>
-            <a:ext cx="8583484" cy="4361729"/>
-          </a:xfrm>
-          <a:prstGeom prst="rect">
-            <a:avLst/>
-          </a:prstGeom>
-        </p:spPr>
-      </p:pic>
-      <p:pic>
-        <p:nvPicPr>
-          <p:cNvPr id="8" name="Image 7">
-            <a:extLst>
-              <a:ext uri="{FF2B5EF4-FFF2-40B4-BE49-F238E27FC236}">
-                <a16:creationId xmlns:a16="http://schemas.microsoft.com/office/drawing/2014/main" id="{2BB825C5-31DA-4A56-85EA-536DBF510A31}"/>
-              </a:ext>
-            </a:extLst>
-          </p:cNvPr>
-          <p:cNvPicPr>
-            <a:picLocks noChangeAspect="1"/>
-          </p:cNvPicPr>
-          <p:nvPr/>
-        </p:nvPicPr>
-        <p:blipFill>
-          <a:blip r:embed="rId3">
+          <a:blip r:embed="rId2">
             <a:extLst>
               <a:ext uri="{28A0092B-C50C-407E-A947-70E740481C1C}">
                 <a14:useLocalDpi xmlns:a14="http://schemas.microsoft.com/office/drawing/2010/main" val="0"/>
@@ -10449,7 +10963,7 @@
           <p:nvPr/>
         </p:nvPicPr>
         <p:blipFill>
-          <a:blip r:embed="rId4">
+          <a:blip r:embed="rId3">
             <a:extLst>
               <a:ext uri="{28A0092B-C50C-407E-A947-70E740481C1C}">
                 <a14:useLocalDpi xmlns:a14="http://schemas.microsoft.com/office/drawing/2010/main" val="0"/>
@@ -10812,12 +11326,84 @@
           </a:fontRef>
         </p:style>
       </p:cxnSp>
+      <p:pic>
+        <p:nvPicPr>
+          <p:cNvPr id="4" name="Image 3" descr="Une image contenant capture d’écran&#10;&#10;Description générée avec un niveau de confiance très élevé">
+            <a:extLst>
+              <a:ext uri="{FF2B5EF4-FFF2-40B4-BE49-F238E27FC236}">
+                <a16:creationId xmlns:a16="http://schemas.microsoft.com/office/drawing/2014/main" id="{769F96F7-0C9A-4C12-8DD2-B1BE1D83ECF0}"/>
+              </a:ext>
+            </a:extLst>
+          </p:cNvPr>
+          <p:cNvPicPr>
+            <a:picLocks noChangeAspect="1"/>
+          </p:cNvPicPr>
+          <p:nvPr/>
+        </p:nvPicPr>
+        <p:blipFill>
+          <a:blip r:embed="rId4">
+            <a:extLst>
+              <a:ext uri="{28A0092B-C50C-407E-A947-70E740481C1C}">
+                <a14:useLocalDpi xmlns:a14="http://schemas.microsoft.com/office/drawing/2010/main" val="0"/>
+              </a:ext>
+            </a:extLst>
+          </a:blip>
+          <a:stretch>
+            <a:fillRect/>
+          </a:stretch>
+        </p:blipFill>
+        <p:spPr>
+          <a:xfrm>
+            <a:off x="196023" y="3335673"/>
+            <a:ext cx="5791940" cy="1695202"/>
+          </a:xfrm>
+          <a:prstGeom prst="rect">
+            <a:avLst/>
+          </a:prstGeom>
+        </p:spPr>
+      </p:pic>
+      <p:pic>
+        <p:nvPicPr>
+          <p:cNvPr id="9" name="Image 8">
+            <a:extLst>
+              <a:ext uri="{FF2B5EF4-FFF2-40B4-BE49-F238E27FC236}">
+                <a16:creationId xmlns:a16="http://schemas.microsoft.com/office/drawing/2014/main" id="{B01860E6-AD2D-4E94-AD8B-C2861A3B35DB}"/>
+              </a:ext>
+            </a:extLst>
+          </p:cNvPr>
+          <p:cNvPicPr>
+            <a:picLocks noChangeAspect="1"/>
+          </p:cNvPicPr>
+          <p:nvPr/>
+        </p:nvPicPr>
+        <p:blipFill>
+          <a:blip r:embed="rId5">
+            <a:extLst>
+              <a:ext uri="{28A0092B-C50C-407E-A947-70E740481C1C}">
+                <a14:useLocalDpi xmlns:a14="http://schemas.microsoft.com/office/drawing/2010/main" val="0"/>
+              </a:ext>
+            </a:extLst>
+          </a:blip>
+          <a:stretch>
+            <a:fillRect/>
+          </a:stretch>
+        </p:blipFill>
+        <p:spPr>
+          <a:xfrm>
+            <a:off x="5987963" y="1973749"/>
+            <a:ext cx="5892067" cy="4419050"/>
+          </a:xfrm>
+          <a:prstGeom prst="rect">
+            <a:avLst/>
+          </a:prstGeom>
+        </p:spPr>
+      </p:pic>
       <p:sp>
         <p:nvSpPr>
-          <p:cNvPr id="2" name="ZoneTexte 1">
-            <a:extLst>
-              <a:ext uri="{FF2B5EF4-FFF2-40B4-BE49-F238E27FC236}">
-                <a16:creationId xmlns:a16="http://schemas.microsoft.com/office/drawing/2014/main" id="{674DD8AD-F715-49A9-B7B1-4A7DF94CD2F7}"/>
+          <p:cNvPr id="25" name="ZoneTexte 24">
+            <a:extLst>
+              <a:ext uri="{FF2B5EF4-FFF2-40B4-BE49-F238E27FC236}">
+                <a16:creationId xmlns:a16="http://schemas.microsoft.com/office/drawing/2014/main" id="{5945C559-2AC8-4826-8DCF-28E5BB387030}"/>
               </a:ext>
             </a:extLst>
           </p:cNvPr>
@@ -10826,8 +11412,8 @@
         </p:nvSpPr>
         <p:spPr>
           <a:xfrm>
-            <a:off x="3175406" y="962653"/>
-            <a:ext cx="5632597" cy="1446550"/>
+            <a:off x="3670084" y="2027401"/>
+            <a:ext cx="1611339" cy="369332"/>
           </a:xfrm>
           <a:prstGeom prst="rect">
             <a:avLst/>
@@ -10835,17 +11421,14 @@
           <a:noFill/>
         </p:spPr>
         <p:txBody>
-          <a:bodyPr wrap="square" rtlCol="0">
+          <a:bodyPr wrap="none" rtlCol="0">
             <a:spAutoFit/>
           </a:bodyPr>
           <a:lstStyle/>
           <a:p>
-            <a:pPr algn="ctr"/>
             <a:r>
-              <a:rPr lang="fr-FR" sz="4400" dirty="0">
-                <a:latin typeface="Berlin Sans FB" panose="020E0602020502020306" pitchFamily="34" charset="0"/>
-              </a:rPr>
-              <a:t>Chaîne de développement</a:t>
+              <a:rPr lang="fr-FR" dirty="0"/>
+              <a:t>Boucle 4-20mA</a:t>
             </a:r>
           </a:p>
         </p:txBody>
@@ -10853,7 +11436,7 @@
     </p:spTree>
     <p:extLst>
       <p:ext uri="{BB962C8B-B14F-4D97-AF65-F5344CB8AC3E}">
-        <p14:creationId xmlns:p14="http://schemas.microsoft.com/office/powerpoint/2010/main" val="414690252"/>
+        <p14:creationId xmlns:p14="http://schemas.microsoft.com/office/powerpoint/2010/main" val="1494275456"/>
       </p:ext>
     </p:extLst>
   </p:cSld>

--- a/oral_projet/revue_3/diaporama_revue_3_samuel.pptx
+++ b/oral_projet/revue_3/diaporama_revue_3_samuel.pptx
@@ -10280,7 +10280,7 @@
         <p:spPr>
           <a:xfrm>
             <a:off x="4573478" y="5908035"/>
-            <a:ext cx="3045041" cy="307777"/>
+            <a:ext cx="3045041" cy="523220"/>
           </a:xfrm>
           <a:prstGeom prst="rect">
             <a:avLst/>
@@ -10295,12 +10295,8 @@
           <a:p>
             <a:pPr algn="ctr"/>
             <a:r>
-              <a:rPr lang="fr-FR" sz="1400" i="1" dirty="0" err="1"/>
-              <a:t>Jmerise</a:t>
-            </a:r>
-            <a:r>
               <a:rPr lang="fr-FR" sz="1400" i="1" dirty="0"/>
-              <a:t> de la base de données</a:t>
+              <a:t>Modèle entité-association de la base de données</a:t>
             </a:r>
           </a:p>
         </p:txBody>
